--- a/presentaciones/1 Demografia.pptx
+++ b/presentaciones/1 Demografia.pptx
@@ -294,7 +294,7 @@
           <a:p>
             <a:fld id="{67A7EE24-841C-4172-BC21-9BAC0535B506}" type="datetimeFigureOut">
               <a:rPr lang="es-PY" smtClean="0"/>
-              <a:t>06/03/2019</a:t>
+              <a:t>10/3/2019</a:t>
             </a:fld>
             <a:endParaRPr lang="es-PY"/>
           </a:p>
@@ -494,7 +494,7 @@
           <a:p>
             <a:fld id="{67A7EE24-841C-4172-BC21-9BAC0535B506}" type="datetimeFigureOut">
               <a:rPr lang="es-PY" smtClean="0"/>
-              <a:t>06/03/2019</a:t>
+              <a:t>10/3/2019</a:t>
             </a:fld>
             <a:endParaRPr lang="es-PY"/>
           </a:p>
@@ -704,7 +704,7 @@
           <a:p>
             <a:fld id="{67A7EE24-841C-4172-BC21-9BAC0535B506}" type="datetimeFigureOut">
               <a:rPr lang="es-PY" smtClean="0"/>
-              <a:t>06/03/2019</a:t>
+              <a:t>10/3/2019</a:t>
             </a:fld>
             <a:endParaRPr lang="es-PY"/>
           </a:p>
@@ -904,7 +904,7 @@
           <a:p>
             <a:fld id="{67A7EE24-841C-4172-BC21-9BAC0535B506}" type="datetimeFigureOut">
               <a:rPr lang="es-PY" smtClean="0"/>
-              <a:t>06/03/2019</a:t>
+              <a:t>10/3/2019</a:t>
             </a:fld>
             <a:endParaRPr lang="es-PY"/>
           </a:p>
@@ -1180,7 +1180,7 @@
           <a:p>
             <a:fld id="{67A7EE24-841C-4172-BC21-9BAC0535B506}" type="datetimeFigureOut">
               <a:rPr lang="es-PY" smtClean="0"/>
-              <a:t>06/03/2019</a:t>
+              <a:t>10/3/2019</a:t>
             </a:fld>
             <a:endParaRPr lang="es-PY"/>
           </a:p>
@@ -1448,7 +1448,7 @@
           <a:p>
             <a:fld id="{67A7EE24-841C-4172-BC21-9BAC0535B506}" type="datetimeFigureOut">
               <a:rPr lang="es-PY" smtClean="0"/>
-              <a:t>06/03/2019</a:t>
+              <a:t>10/3/2019</a:t>
             </a:fld>
             <a:endParaRPr lang="es-PY"/>
           </a:p>
@@ -1863,7 +1863,7 @@
           <a:p>
             <a:fld id="{67A7EE24-841C-4172-BC21-9BAC0535B506}" type="datetimeFigureOut">
               <a:rPr lang="es-PY" smtClean="0"/>
-              <a:t>06/03/2019</a:t>
+              <a:t>10/3/2019</a:t>
             </a:fld>
             <a:endParaRPr lang="es-PY"/>
           </a:p>
@@ -2005,7 +2005,7 @@
           <a:p>
             <a:fld id="{67A7EE24-841C-4172-BC21-9BAC0535B506}" type="datetimeFigureOut">
               <a:rPr lang="es-PY" smtClean="0"/>
-              <a:t>06/03/2019</a:t>
+              <a:t>10/3/2019</a:t>
             </a:fld>
             <a:endParaRPr lang="es-PY"/>
           </a:p>
@@ -2118,7 +2118,7 @@
           <a:p>
             <a:fld id="{67A7EE24-841C-4172-BC21-9BAC0535B506}" type="datetimeFigureOut">
               <a:rPr lang="es-PY" smtClean="0"/>
-              <a:t>06/03/2019</a:t>
+              <a:t>10/3/2019</a:t>
             </a:fld>
             <a:endParaRPr lang="es-PY"/>
           </a:p>
@@ -2431,7 +2431,7 @@
           <a:p>
             <a:fld id="{67A7EE24-841C-4172-BC21-9BAC0535B506}" type="datetimeFigureOut">
               <a:rPr lang="es-PY" smtClean="0"/>
-              <a:t>06/03/2019</a:t>
+              <a:t>10/3/2019</a:t>
             </a:fld>
             <a:endParaRPr lang="es-PY"/>
           </a:p>
@@ -2720,7 +2720,7 @@
           <a:p>
             <a:fld id="{67A7EE24-841C-4172-BC21-9BAC0535B506}" type="datetimeFigureOut">
               <a:rPr lang="es-PY" smtClean="0"/>
-              <a:t>06/03/2019</a:t>
+              <a:t>10/3/2019</a:t>
             </a:fld>
             <a:endParaRPr lang="es-PY"/>
           </a:p>
@@ -2963,7 +2963,7 @@
           <a:p>
             <a:fld id="{67A7EE24-841C-4172-BC21-9BAC0535B506}" type="datetimeFigureOut">
               <a:rPr lang="es-PY" smtClean="0"/>
-              <a:t>06/03/2019</a:t>
+              <a:t>10/3/2019</a:t>
             </a:fld>
             <a:endParaRPr lang="es-PY"/>
           </a:p>
